--- a/docs/StatusUpdate.pptx
+++ b/docs/StatusUpdate.pptx
@@ -9,7 +9,9 @@
     <p:sldId id="257" r:id="rId3"/>
     <p:sldId id="258" r:id="rId4"/>
     <p:sldId id="261" r:id="rId5"/>
-    <p:sldId id="260" r:id="rId6"/>
+    <p:sldId id="262" r:id="rId6"/>
+    <p:sldId id="263" r:id="rId7"/>
+    <p:sldId id="260" r:id="rId8"/>
   </p:sldIdLst>
   <p:sldSz cx="9144000" cy="6858000" type="screen4x3"/>
   <p:notesSz cx="6858000" cy="9144000"/>
@@ -549,7 +551,7 @@
             <a:fld id="{E637BB6B-EE1B-48FB-8575-0D55C373DE88}" type="datetimeFigureOut">
               <a:rPr lang="en-US" smtClean="0"/>
               <a:pPr eaLnBrk="1" latinLnBrk="0" hangingPunct="1"/>
-              <a:t>4/17/11</a:t>
+              <a:t>4/17/2011</a:t>
             </a:fld>
             <a:endParaRPr lang="en-US"/>
           </a:p>
@@ -601,7 +603,7 @@
           <a:p>
             <a:fld id="{2AA957AF-53C0-420B-9C2D-77DB1416566C}" type="slidenum">
               <a:rPr kumimoji="0" lang="en-US" smtClean="0"/>
-              <a:pPr eaLnBrk="1" latinLnBrk="0" hangingPunct="1"/>
+              <a:pPr/>
               <a:t>‹#›</a:t>
             </a:fld>
             <a:endParaRPr kumimoji="0" lang="en-US"/>
@@ -1163,7 +1165,7 @@
             <a:fld id="{E637BB6B-EE1B-48FB-8575-0D55C373DE88}" type="datetimeFigureOut">
               <a:rPr lang="en-US" smtClean="0"/>
               <a:pPr eaLnBrk="1" latinLnBrk="0" hangingPunct="1"/>
-              <a:t>4/17/11</a:t>
+              <a:t>4/17/2011</a:t>
             </a:fld>
             <a:endParaRPr lang="en-US" sz="1000">
               <a:solidFill>
@@ -1218,7 +1220,7 @@
           <a:p>
             <a:fld id="{2AA957AF-53C0-420B-9C2D-77DB1416566C}" type="slidenum">
               <a:rPr kumimoji="0" lang="en-US" smtClean="0"/>
-              <a:pPr eaLnBrk="1" latinLnBrk="0" hangingPunct="1"/>
+              <a:pPr/>
               <a:t>‹#›</a:t>
             </a:fld>
             <a:endParaRPr kumimoji="0" lang="en-US" sz="1000" dirty="0">
@@ -1757,7 +1759,7 @@
             <a:fld id="{E637BB6B-EE1B-48FB-8575-0D55C373DE88}" type="datetimeFigureOut">
               <a:rPr lang="en-US" smtClean="0"/>
               <a:pPr eaLnBrk="1" latinLnBrk="0" hangingPunct="1"/>
-              <a:t>4/17/11</a:t>
+              <a:t>4/17/2011</a:t>
             </a:fld>
             <a:endParaRPr lang="en-US"/>
           </a:p>
@@ -1799,7 +1801,7 @@
           <a:p>
             <a:fld id="{2AA957AF-53C0-420B-9C2D-77DB1416566C}" type="slidenum">
               <a:rPr kumimoji="0" lang="en-US" smtClean="0"/>
-              <a:pPr eaLnBrk="1" latinLnBrk="0" hangingPunct="1"/>
+              <a:pPr/>
               <a:t>‹#›</a:t>
             </a:fld>
             <a:endParaRPr kumimoji="0" lang="en-US"/>
@@ -2294,7 +2296,7 @@
             <a:fld id="{E637BB6B-EE1B-48FB-8575-0D55C373DE88}" type="datetimeFigureOut">
               <a:rPr lang="en-US" smtClean="0"/>
               <a:pPr eaLnBrk="1" latinLnBrk="0" hangingPunct="1"/>
-              <a:t>4/17/11</a:t>
+              <a:t>4/17/2011</a:t>
             </a:fld>
             <a:endParaRPr lang="en-US" sz="1000">
               <a:solidFill>
@@ -2349,7 +2351,7 @@
           <a:p>
             <a:fld id="{2AA957AF-53C0-420B-9C2D-77DB1416566C}" type="slidenum">
               <a:rPr kumimoji="0" lang="en-US" smtClean="0"/>
-              <a:pPr eaLnBrk="1" latinLnBrk="0" hangingPunct="1"/>
+              <a:pPr/>
               <a:t>‹#›</a:t>
             </a:fld>
             <a:endParaRPr kumimoji="0" lang="en-US" sz="1000" dirty="0">
@@ -2718,7 +2720,7 @@
             <a:fld id="{E637BB6B-EE1B-48FB-8575-0D55C373DE88}" type="datetimeFigureOut">
               <a:rPr lang="en-US" smtClean="0"/>
               <a:pPr eaLnBrk="1" latinLnBrk="0" hangingPunct="1"/>
-              <a:t>4/17/11</a:t>
+              <a:t>4/17/2011</a:t>
             </a:fld>
             <a:endParaRPr lang="en-US" dirty="0"/>
           </a:p>
@@ -2760,7 +2762,7 @@
           <a:p>
             <a:fld id="{2AA957AF-53C0-420B-9C2D-77DB1416566C}" type="slidenum">
               <a:rPr kumimoji="0" lang="en-US" smtClean="0"/>
-              <a:pPr eaLnBrk="1" latinLnBrk="0" hangingPunct="1"/>
+              <a:pPr/>
               <a:t>‹#›</a:t>
             </a:fld>
             <a:endParaRPr kumimoji="0" lang="en-US"/>
@@ -3154,7 +3156,7 @@
             <a:fld id="{E637BB6B-EE1B-48FB-8575-0D55C373DE88}" type="datetimeFigureOut">
               <a:rPr lang="en-US" smtClean="0"/>
               <a:pPr eaLnBrk="1" latinLnBrk="0" hangingPunct="1"/>
-              <a:t>4/17/11</a:t>
+              <a:t>4/17/2011</a:t>
             </a:fld>
             <a:endParaRPr lang="en-US"/>
           </a:p>
@@ -3196,7 +3198,7 @@
           <a:p>
             <a:fld id="{2AA957AF-53C0-420B-9C2D-77DB1416566C}" type="slidenum">
               <a:rPr kumimoji="0" lang="en-US" smtClean="0"/>
-              <a:pPr eaLnBrk="1" latinLnBrk="0" hangingPunct="1"/>
+              <a:pPr/>
               <a:t>‹#›</a:t>
             </a:fld>
             <a:endParaRPr kumimoji="0" lang="en-US"/>
@@ -3559,7 +3561,7 @@
             <a:fld id="{E637BB6B-EE1B-48FB-8575-0D55C373DE88}" type="datetimeFigureOut">
               <a:rPr lang="en-US" smtClean="0"/>
               <a:pPr eaLnBrk="1" latinLnBrk="0" hangingPunct="1"/>
-              <a:t>4/17/11</a:t>
+              <a:t>4/17/2011</a:t>
             </a:fld>
             <a:endParaRPr lang="en-US"/>
           </a:p>
@@ -3601,7 +3603,7 @@
           <a:p>
             <a:fld id="{2AA957AF-53C0-420B-9C2D-77DB1416566C}" type="slidenum">
               <a:rPr kumimoji="0" lang="en-US" smtClean="0"/>
-              <a:pPr eaLnBrk="1" latinLnBrk="0" hangingPunct="1"/>
+              <a:pPr/>
               <a:t>‹#›</a:t>
             </a:fld>
             <a:endParaRPr kumimoji="0" lang="en-US"/>
@@ -4036,7 +4038,7 @@
             <a:fld id="{E637BB6B-EE1B-48FB-8575-0D55C373DE88}" type="datetimeFigureOut">
               <a:rPr lang="en-US" smtClean="0"/>
               <a:pPr eaLnBrk="1" latinLnBrk="0" hangingPunct="1"/>
-              <a:t>4/17/11</a:t>
+              <a:t>4/17/2011</a:t>
             </a:fld>
             <a:endParaRPr lang="en-US" sz="1000">
               <a:solidFill>
@@ -4501,7 +4503,7 @@
             <a:fld id="{E637BB6B-EE1B-48FB-8575-0D55C373DE88}" type="datetimeFigureOut">
               <a:rPr lang="en-US" smtClean="0"/>
               <a:pPr eaLnBrk="1" latinLnBrk="0" hangingPunct="1"/>
-              <a:t>4/17/11</a:t>
+              <a:t>4/17/2011</a:t>
             </a:fld>
             <a:endParaRPr lang="en-US"/>
           </a:p>
@@ -4543,7 +4545,7 @@
           <a:p>
             <a:fld id="{2AA957AF-53C0-420B-9C2D-77DB1416566C}" type="slidenum">
               <a:rPr kumimoji="0" lang="en-US" smtClean="0"/>
-              <a:pPr eaLnBrk="1" latinLnBrk="0" hangingPunct="1"/>
+              <a:pPr/>
               <a:t>‹#›</a:t>
             </a:fld>
             <a:endParaRPr kumimoji="0" lang="en-US"/>
@@ -5024,7 +5026,7 @@
             <a:fld id="{E637BB6B-EE1B-48FB-8575-0D55C373DE88}" type="datetimeFigureOut">
               <a:rPr lang="en-US" smtClean="0"/>
               <a:pPr eaLnBrk="1" latinLnBrk="0" hangingPunct="1"/>
-              <a:t>4/17/11</a:t>
+              <a:t>4/17/2011</a:t>
             </a:fld>
             <a:endParaRPr lang="en-US"/>
           </a:p>
@@ -5066,7 +5068,7 @@
           <a:p>
             <a:fld id="{2AA957AF-53C0-420B-9C2D-77DB1416566C}" type="slidenum">
               <a:rPr kumimoji="0" lang="en-US" smtClean="0"/>
-              <a:pPr eaLnBrk="1" latinLnBrk="0" hangingPunct="1"/>
+              <a:pPr/>
               <a:t>‹#›</a:t>
             </a:fld>
             <a:endParaRPr kumimoji="0" lang="en-US"/>
@@ -5747,7 +5749,7 @@
             <a:fld id="{E637BB6B-EE1B-48FB-8575-0D55C373DE88}" type="datetimeFigureOut">
               <a:rPr lang="en-US" smtClean="0"/>
               <a:pPr eaLnBrk="1" latinLnBrk="0" hangingPunct="1"/>
-              <a:t>4/17/11</a:t>
+              <a:t>4/17/2011</a:t>
             </a:fld>
             <a:endParaRPr lang="en-US"/>
           </a:p>
@@ -5789,7 +5791,7 @@
           <a:p>
             <a:fld id="{2AA957AF-53C0-420B-9C2D-77DB1416566C}" type="slidenum">
               <a:rPr kumimoji="0" lang="en-US" smtClean="0"/>
-              <a:pPr eaLnBrk="1" latinLnBrk="0" hangingPunct="1"/>
+              <a:pPr/>
               <a:t>‹#›</a:t>
             </a:fld>
             <a:endParaRPr kumimoji="0" lang="en-US"/>
@@ -6096,7 +6098,7 @@
             <a:fld id="{E637BB6B-EE1B-48FB-8575-0D55C373DE88}" type="datetimeFigureOut">
               <a:rPr lang="en-US" smtClean="0"/>
               <a:pPr eaLnBrk="1" latinLnBrk="0" hangingPunct="1"/>
-              <a:t>4/17/11</a:t>
+              <a:t>4/17/2011</a:t>
             </a:fld>
             <a:endParaRPr lang="en-US"/>
           </a:p>
@@ -6138,7 +6140,7 @@
           <a:p>
             <a:fld id="{2AA957AF-53C0-420B-9C2D-77DB1416566C}" type="slidenum">
               <a:rPr kumimoji="0" lang="en-US" smtClean="0"/>
-              <a:pPr eaLnBrk="1" latinLnBrk="0" hangingPunct="1"/>
+              <a:pPr/>
               <a:t>‹#›</a:t>
             </a:fld>
             <a:endParaRPr kumimoji="0" lang="en-US"/>
@@ -6368,7 +6370,7 @@
             <a:fld id="{E637BB6B-EE1B-48FB-8575-0D55C373DE88}" type="datetimeFigureOut">
               <a:rPr lang="en-US" smtClean="0"/>
               <a:pPr eaLnBrk="1" latinLnBrk="0" hangingPunct="1"/>
-              <a:t>4/17/11</a:t>
+              <a:t>4/17/2011</a:t>
             </a:fld>
             <a:endParaRPr lang="en-US"/>
           </a:p>
@@ -6410,7 +6412,7 @@
           <a:p>
             <a:fld id="{2AA957AF-53C0-420B-9C2D-77DB1416566C}" type="slidenum">
               <a:rPr kumimoji="0" lang="en-US" smtClean="0"/>
-              <a:pPr eaLnBrk="1" latinLnBrk="0" hangingPunct="1"/>
+              <a:pPr/>
               <a:t>‹#›</a:t>
             </a:fld>
             <a:endParaRPr kumimoji="0" lang="en-US"/>
@@ -6928,7 +6930,7 @@
             <a:fld id="{E637BB6B-EE1B-48FB-8575-0D55C373DE88}" type="datetimeFigureOut">
               <a:rPr lang="en-US" smtClean="0"/>
               <a:pPr eaLnBrk="1" latinLnBrk="0" hangingPunct="1"/>
-              <a:t>4/17/11</a:t>
+              <a:t>4/17/2011</a:t>
             </a:fld>
             <a:endParaRPr lang="en-US"/>
           </a:p>
@@ -6970,7 +6972,7 @@
           <a:p>
             <a:fld id="{2AA957AF-53C0-420B-9C2D-77DB1416566C}" type="slidenum">
               <a:rPr kumimoji="0" lang="en-US" smtClean="0"/>
-              <a:pPr eaLnBrk="1" latinLnBrk="0" hangingPunct="1"/>
+              <a:pPr/>
               <a:t>‹#›</a:t>
             </a:fld>
             <a:endParaRPr kumimoji="0" lang="en-US"/>
@@ -7141,7 +7143,7 @@
             <a:fld id="{E637BB6B-EE1B-48FB-8575-0D55C373DE88}" type="datetimeFigureOut">
               <a:rPr lang="en-US" smtClean="0"/>
               <a:pPr eaLnBrk="1" latinLnBrk="0" hangingPunct="1"/>
-              <a:t>4/17/11</a:t>
+              <a:t>4/17/2011</a:t>
             </a:fld>
             <a:endParaRPr lang="en-US" sz="1000">
               <a:solidFill>
@@ -7240,7 +7242,7 @@
           <a:p>
             <a:fld id="{2AA957AF-53C0-420B-9C2D-77DB1416566C}" type="slidenum">
               <a:rPr kumimoji="0" lang="en-US" smtClean="0"/>
-              <a:pPr eaLnBrk="1" latinLnBrk="0" hangingPunct="1"/>
+              <a:pPr/>
               <a:t>‹#›</a:t>
             </a:fld>
             <a:endParaRPr kumimoji="0" lang="en-US" sz="1000" dirty="0">
@@ -7709,7 +7711,7 @@
     </p:spTree>
     <p:extLst>
       <p:ext uri="{BB962C8B-B14F-4D97-AF65-F5344CB8AC3E}">
-        <p14:creationId xmlns:p14="http://schemas.microsoft.com/office/powerpoint/2010/main" val="2885994047"/>
+        <p14:creationId xmlns:p14="http://schemas.microsoft.com/office/powerpoint/2010/main" xmlns="" val="2885994047"/>
       </p:ext>
     </p:extLst>
   </p:cSld>
@@ -7753,11 +7755,7 @@
           <a:p>
             <a:r>
               <a:rPr lang="en-US" dirty="0" smtClean="0"/>
-              <a:t>Project </a:t>
-            </a:r>
-            <a:r>
-              <a:rPr lang="en-US" dirty="0" smtClean="0"/>
-              <a:t>Plan/Team Roles</a:t>
+              <a:t>Project Plan/Team Roles</a:t>
             </a:r>
             <a:endParaRPr lang="en-US" dirty="0"/>
           </a:p>
@@ -7813,7 +7811,7 @@
     </p:spTree>
     <p:extLst>
       <p:ext uri="{BB962C8B-B14F-4D97-AF65-F5344CB8AC3E}">
-        <p14:creationId xmlns:p14="http://schemas.microsoft.com/office/powerpoint/2010/main" val="1411783137"/>
+        <p14:creationId xmlns:p14="http://schemas.microsoft.com/office/powerpoint/2010/main" xmlns="" val="1411783137"/>
       </p:ext>
     </p:extLst>
   </p:cSld>
@@ -8019,11 +8017,7 @@
             </a:r>
             <a:r>
               <a:rPr lang="en-US" dirty="0" smtClean="0"/>
-              <a:t>P</a:t>
-            </a:r>
-            <a:r>
-              <a:rPr lang="en-US" dirty="0" smtClean="0"/>
-              <a:t>assing of drawing control.</a:t>
+              <a:t>Passing of drawing control.</a:t>
             </a:r>
           </a:p>
           <a:p>
@@ -8125,7 +8119,7 @@
     </p:spTree>
     <p:extLst>
       <p:ext uri="{BB962C8B-B14F-4D97-AF65-F5344CB8AC3E}">
-        <p14:creationId xmlns:p14="http://schemas.microsoft.com/office/powerpoint/2010/main" val="3651764589"/>
+        <p14:creationId xmlns:p14="http://schemas.microsoft.com/office/powerpoint/2010/main" xmlns="" val="3651764589"/>
       </p:ext>
     </p:extLst>
   </p:cSld>
@@ -8229,7 +8223,7 @@
     </p:spTree>
     <p:extLst>
       <p:ext uri="{BB962C8B-B14F-4D97-AF65-F5344CB8AC3E}">
-        <p14:creationId xmlns:p14="http://schemas.microsoft.com/office/powerpoint/2010/main" val="2642044045"/>
+        <p14:creationId xmlns:p14="http://schemas.microsoft.com/office/powerpoint/2010/main" xmlns="" val="2642044045"/>
       </p:ext>
     </p:extLst>
   </p:cSld>
@@ -8273,6 +8267,223 @@
           <a:p>
             <a:r>
               <a:rPr lang="en-US" dirty="0" smtClean="0"/>
+              <a:t>Technologies</a:t>
+            </a:r>
+            <a:endParaRPr lang="en-US" dirty="0"/>
+          </a:p>
+        </p:txBody>
+      </p:sp>
+      <p:sp>
+        <p:nvSpPr>
+          <p:cNvPr id="3" name="Content Placeholder 2"/>
+          <p:cNvSpPr>
+            <a:spLocks noGrp="1"/>
+          </p:cNvSpPr>
+          <p:nvPr>
+            <p:ph idx="1"/>
+          </p:nvPr>
+        </p:nvSpPr>
+        <p:spPr/>
+        <p:txBody>
+          <a:bodyPr/>
+          <a:lstStyle/>
+          <a:p>
+            <a:r>
+              <a:rPr lang="en-US" b="1" dirty="0" smtClean="0"/>
+              <a:t>Configuration Management:</a:t>
+            </a:r>
+          </a:p>
+          <a:p>
+            <a:pPr lvl="1"/>
+            <a:r>
+              <a:rPr lang="en-US" b="1" dirty="0" err="1" smtClean="0"/>
+              <a:t>Git</a:t>
+            </a:r>
+            <a:r>
+              <a:rPr lang="en-US" dirty="0" smtClean="0"/>
+              <a:t>: We created a repository for our project on github.com to hold our different commits to the project.  </a:t>
+            </a:r>
+          </a:p>
+          <a:p>
+            <a:pPr lvl="1"/>
+            <a:r>
+              <a:rPr lang="en-US" b="1" dirty="0" err="1" smtClean="0"/>
+              <a:t>EGit</a:t>
+            </a:r>
+            <a:r>
+              <a:rPr lang="en-US" dirty="0" smtClean="0"/>
+              <a:t>: We used a built in application for eclipse called </a:t>
+            </a:r>
+            <a:r>
+              <a:rPr lang="en-US" dirty="0" err="1" smtClean="0"/>
+              <a:t>E</a:t>
+            </a:r>
+            <a:r>
+              <a:rPr lang="en-US" dirty="0" err="1" smtClean="0"/>
+              <a:t>G</a:t>
+            </a:r>
+            <a:r>
+              <a:rPr lang="en-US" dirty="0" err="1" smtClean="0"/>
+              <a:t>it</a:t>
+            </a:r>
+            <a:r>
+              <a:rPr lang="en-US" dirty="0" smtClean="0"/>
+              <a:t> to handle our </a:t>
+            </a:r>
+            <a:r>
+              <a:rPr lang="en-US" dirty="0" err="1" smtClean="0"/>
+              <a:t>G</a:t>
+            </a:r>
+            <a:r>
+              <a:rPr lang="en-US" dirty="0" err="1" smtClean="0"/>
+              <a:t>it</a:t>
+            </a:r>
+            <a:r>
+              <a:rPr lang="en-US" dirty="0" smtClean="0"/>
+              <a:t> repository during development.</a:t>
+            </a:r>
+          </a:p>
+          <a:p>
+            <a:r>
+              <a:rPr lang="en-US" b="1" dirty="0" smtClean="0"/>
+              <a:t>Technology Choices:</a:t>
+            </a:r>
+          </a:p>
+          <a:p>
+            <a:pPr lvl="1"/>
+            <a:r>
+              <a:rPr lang="en-US" b="1" dirty="0" smtClean="0"/>
+              <a:t>Java Remote Method Invocation (RMI): </a:t>
+            </a:r>
+            <a:r>
+              <a:rPr lang="en-US" dirty="0" smtClean="0"/>
+              <a:t>We used RMI to create a client, server interface for </a:t>
+            </a:r>
+            <a:r>
+              <a:rPr lang="en-US" dirty="0" err="1" smtClean="0"/>
+              <a:t>Multidraw</a:t>
+            </a:r>
+            <a:r>
+              <a:rPr lang="en-US" dirty="0" smtClean="0"/>
+              <a:t>.</a:t>
+            </a:r>
+            <a:endParaRPr lang="en-US" b="1" dirty="0"/>
+          </a:p>
+        </p:txBody>
+      </p:sp>
+    </p:spTree>
+  </p:cSld>
+  <p:clrMapOvr>
+    <a:masterClrMapping/>
+  </p:clrMapOvr>
+</p:sld>
+</file>
+
+<file path=ppt/slides/slide6.xml><?xml version="1.0" encoding="utf-8"?>
+<p:sld xmlns:a="http://schemas.openxmlformats.org/drawingml/2006/main" xmlns:r="http://schemas.openxmlformats.org/officeDocument/2006/relationships" xmlns:p="http://schemas.openxmlformats.org/presentationml/2006/main">
+  <p:cSld>
+    <p:spTree>
+      <p:nvGrpSpPr>
+        <p:cNvPr id="1" name=""/>
+        <p:cNvGrpSpPr/>
+        <p:nvPr/>
+      </p:nvGrpSpPr>
+      <p:grpSpPr>
+        <a:xfrm>
+          <a:off x="0" y="0"/>
+          <a:ext cx="0" cy="0"/>
+          <a:chOff x="0" y="0"/>
+          <a:chExt cx="0" cy="0"/>
+        </a:xfrm>
+      </p:grpSpPr>
+      <p:sp>
+        <p:nvSpPr>
+          <p:cNvPr id="2" name="Title 1"/>
+          <p:cNvSpPr>
+            <a:spLocks noGrp="1"/>
+          </p:cNvSpPr>
+          <p:nvPr>
+            <p:ph type="title"/>
+          </p:nvPr>
+        </p:nvSpPr>
+        <p:spPr/>
+        <p:txBody>
+          <a:bodyPr/>
+          <a:lstStyle/>
+          <a:p>
+            <a:r>
+              <a:rPr lang="en-US" dirty="0" smtClean="0"/>
+              <a:t>Problems Encountered</a:t>
+            </a:r>
+            <a:endParaRPr lang="en-US" dirty="0"/>
+          </a:p>
+        </p:txBody>
+      </p:sp>
+      <p:sp>
+        <p:nvSpPr>
+          <p:cNvPr id="3" name="Content Placeholder 2"/>
+          <p:cNvSpPr>
+            <a:spLocks noGrp="1"/>
+          </p:cNvSpPr>
+          <p:nvPr>
+            <p:ph idx="1"/>
+          </p:nvPr>
+        </p:nvSpPr>
+        <p:spPr/>
+        <p:txBody>
+          <a:bodyPr/>
+          <a:lstStyle/>
+          <a:p>
+            <a:r>
+              <a:rPr lang="en-US" dirty="0" smtClean="0"/>
+              <a:t>Our biggest problem that we have encountered is the security manager in the RMI development.  </a:t>
+            </a:r>
+            <a:endParaRPr lang="en-US" dirty="0"/>
+          </a:p>
+        </p:txBody>
+      </p:sp>
+    </p:spTree>
+  </p:cSld>
+  <p:clrMapOvr>
+    <a:masterClrMapping/>
+  </p:clrMapOvr>
+</p:sld>
+</file>
+
+<file path=ppt/slides/slide7.xml><?xml version="1.0" encoding="utf-8"?>
+<p:sld xmlns:a="http://schemas.openxmlformats.org/drawingml/2006/main" xmlns:r="http://schemas.openxmlformats.org/officeDocument/2006/relationships" xmlns:p="http://schemas.openxmlformats.org/presentationml/2006/main">
+  <p:cSld>
+    <p:spTree>
+      <p:nvGrpSpPr>
+        <p:cNvPr id="1" name=""/>
+        <p:cNvGrpSpPr/>
+        <p:nvPr/>
+      </p:nvGrpSpPr>
+      <p:grpSpPr>
+        <a:xfrm>
+          <a:off x="0" y="0"/>
+          <a:ext cx="0" cy="0"/>
+          <a:chOff x="0" y="0"/>
+          <a:chExt cx="0" cy="0"/>
+        </a:xfrm>
+      </p:grpSpPr>
+      <p:sp>
+        <p:nvSpPr>
+          <p:cNvPr id="2" name="Title 1"/>
+          <p:cNvSpPr>
+            <a:spLocks noGrp="1"/>
+          </p:cNvSpPr>
+          <p:nvPr>
+            <p:ph type="title"/>
+          </p:nvPr>
+        </p:nvSpPr>
+        <p:spPr/>
+        <p:txBody>
+          <a:bodyPr/>
+          <a:lstStyle/>
+          <a:p>
+            <a:r>
+              <a:rPr lang="en-US" dirty="0" smtClean="0"/>
               <a:t>Current Status</a:t>
             </a:r>
             <a:endParaRPr lang="en-US" dirty="0"/>
@@ -8309,7 +8520,7 @@
     </p:spTree>
     <p:extLst>
       <p:ext uri="{BB962C8B-B14F-4D97-AF65-F5344CB8AC3E}">
-        <p14:creationId xmlns:p14="http://schemas.microsoft.com/office/powerpoint/2010/main" val="3163297618"/>
+        <p14:creationId xmlns:p14="http://schemas.microsoft.com/office/powerpoint/2010/main" xmlns="" val="3163297618"/>
       </p:ext>
     </p:extLst>
   </p:cSld>

--- a/docs/StatusUpdate.pptx
+++ b/docs/StatusUpdate.pptx
@@ -551,7 +551,7 @@
             <a:fld id="{E637BB6B-EE1B-48FB-8575-0D55C373DE88}" type="datetimeFigureOut">
               <a:rPr lang="en-US" smtClean="0"/>
               <a:pPr eaLnBrk="1" latinLnBrk="0" hangingPunct="1"/>
-              <a:t>4/17/2011</a:t>
+              <a:t>4/17/11</a:t>
             </a:fld>
             <a:endParaRPr lang="en-US"/>
           </a:p>
@@ -1165,7 +1165,7 @@
             <a:fld id="{E637BB6B-EE1B-48FB-8575-0D55C373DE88}" type="datetimeFigureOut">
               <a:rPr lang="en-US" smtClean="0"/>
               <a:pPr eaLnBrk="1" latinLnBrk="0" hangingPunct="1"/>
-              <a:t>4/17/2011</a:t>
+              <a:t>4/17/11</a:t>
             </a:fld>
             <a:endParaRPr lang="en-US" sz="1000">
               <a:solidFill>
@@ -1759,7 +1759,7 @@
             <a:fld id="{E637BB6B-EE1B-48FB-8575-0D55C373DE88}" type="datetimeFigureOut">
               <a:rPr lang="en-US" smtClean="0"/>
               <a:pPr eaLnBrk="1" latinLnBrk="0" hangingPunct="1"/>
-              <a:t>4/17/2011</a:t>
+              <a:t>4/17/11</a:t>
             </a:fld>
             <a:endParaRPr lang="en-US"/>
           </a:p>
@@ -2296,7 +2296,7 @@
             <a:fld id="{E637BB6B-EE1B-48FB-8575-0D55C373DE88}" type="datetimeFigureOut">
               <a:rPr lang="en-US" smtClean="0"/>
               <a:pPr eaLnBrk="1" latinLnBrk="0" hangingPunct="1"/>
-              <a:t>4/17/2011</a:t>
+              <a:t>4/17/11</a:t>
             </a:fld>
             <a:endParaRPr lang="en-US" sz="1000">
               <a:solidFill>
@@ -2720,7 +2720,7 @@
             <a:fld id="{E637BB6B-EE1B-48FB-8575-0D55C373DE88}" type="datetimeFigureOut">
               <a:rPr lang="en-US" smtClean="0"/>
               <a:pPr eaLnBrk="1" latinLnBrk="0" hangingPunct="1"/>
-              <a:t>4/17/2011</a:t>
+              <a:t>4/17/11</a:t>
             </a:fld>
             <a:endParaRPr lang="en-US" dirty="0"/>
           </a:p>
@@ -3156,7 +3156,7 @@
             <a:fld id="{E637BB6B-EE1B-48FB-8575-0D55C373DE88}" type="datetimeFigureOut">
               <a:rPr lang="en-US" smtClean="0"/>
               <a:pPr eaLnBrk="1" latinLnBrk="0" hangingPunct="1"/>
-              <a:t>4/17/2011</a:t>
+              <a:t>4/17/11</a:t>
             </a:fld>
             <a:endParaRPr lang="en-US"/>
           </a:p>
@@ -3561,7 +3561,7 @@
             <a:fld id="{E637BB6B-EE1B-48FB-8575-0D55C373DE88}" type="datetimeFigureOut">
               <a:rPr lang="en-US" smtClean="0"/>
               <a:pPr eaLnBrk="1" latinLnBrk="0" hangingPunct="1"/>
-              <a:t>4/17/2011</a:t>
+              <a:t>4/17/11</a:t>
             </a:fld>
             <a:endParaRPr lang="en-US"/>
           </a:p>
@@ -4038,7 +4038,7 @@
             <a:fld id="{E637BB6B-EE1B-48FB-8575-0D55C373DE88}" type="datetimeFigureOut">
               <a:rPr lang="en-US" smtClean="0"/>
               <a:pPr eaLnBrk="1" latinLnBrk="0" hangingPunct="1"/>
-              <a:t>4/17/2011</a:t>
+              <a:t>4/17/11</a:t>
             </a:fld>
             <a:endParaRPr lang="en-US" sz="1000">
               <a:solidFill>
@@ -4503,7 +4503,7 @@
             <a:fld id="{E637BB6B-EE1B-48FB-8575-0D55C373DE88}" type="datetimeFigureOut">
               <a:rPr lang="en-US" smtClean="0"/>
               <a:pPr eaLnBrk="1" latinLnBrk="0" hangingPunct="1"/>
-              <a:t>4/17/2011</a:t>
+              <a:t>4/17/11</a:t>
             </a:fld>
             <a:endParaRPr lang="en-US"/>
           </a:p>
@@ -5026,7 +5026,7 @@
             <a:fld id="{E637BB6B-EE1B-48FB-8575-0D55C373DE88}" type="datetimeFigureOut">
               <a:rPr lang="en-US" smtClean="0"/>
               <a:pPr eaLnBrk="1" latinLnBrk="0" hangingPunct="1"/>
-              <a:t>4/17/2011</a:t>
+              <a:t>4/17/11</a:t>
             </a:fld>
             <a:endParaRPr lang="en-US"/>
           </a:p>
@@ -5749,7 +5749,7 @@
             <a:fld id="{E637BB6B-EE1B-48FB-8575-0D55C373DE88}" type="datetimeFigureOut">
               <a:rPr lang="en-US" smtClean="0"/>
               <a:pPr eaLnBrk="1" latinLnBrk="0" hangingPunct="1"/>
-              <a:t>4/17/2011</a:t>
+              <a:t>4/17/11</a:t>
             </a:fld>
             <a:endParaRPr lang="en-US"/>
           </a:p>
@@ -6098,7 +6098,7 @@
             <a:fld id="{E637BB6B-EE1B-48FB-8575-0D55C373DE88}" type="datetimeFigureOut">
               <a:rPr lang="en-US" smtClean="0"/>
               <a:pPr eaLnBrk="1" latinLnBrk="0" hangingPunct="1"/>
-              <a:t>4/17/2011</a:t>
+              <a:t>4/17/11</a:t>
             </a:fld>
             <a:endParaRPr lang="en-US"/>
           </a:p>
@@ -6370,7 +6370,7 @@
             <a:fld id="{E637BB6B-EE1B-48FB-8575-0D55C373DE88}" type="datetimeFigureOut">
               <a:rPr lang="en-US" smtClean="0"/>
               <a:pPr eaLnBrk="1" latinLnBrk="0" hangingPunct="1"/>
-              <a:t>4/17/2011</a:t>
+              <a:t>4/17/11</a:t>
             </a:fld>
             <a:endParaRPr lang="en-US"/>
           </a:p>
@@ -6930,7 +6930,7 @@
             <a:fld id="{E637BB6B-EE1B-48FB-8575-0D55C373DE88}" type="datetimeFigureOut">
               <a:rPr lang="en-US" smtClean="0"/>
               <a:pPr eaLnBrk="1" latinLnBrk="0" hangingPunct="1"/>
-              <a:t>4/17/2011</a:t>
+              <a:t>4/17/11</a:t>
             </a:fld>
             <a:endParaRPr lang="en-US"/>
           </a:p>
@@ -7143,7 +7143,7 @@
             <a:fld id="{E637BB6B-EE1B-48FB-8575-0D55C373DE88}" type="datetimeFigureOut">
               <a:rPr lang="en-US" smtClean="0"/>
               <a:pPr eaLnBrk="1" latinLnBrk="0" hangingPunct="1"/>
-              <a:t>4/17/2011</a:t>
+              <a:t>4/17/11</a:t>
             </a:fld>
             <a:endParaRPr lang="en-US" sz="1000">
               <a:solidFill>
@@ -7711,7 +7711,7 @@
     </p:spTree>
     <p:extLst>
       <p:ext uri="{BB962C8B-B14F-4D97-AF65-F5344CB8AC3E}">
-        <p14:creationId xmlns:p14="http://schemas.microsoft.com/office/powerpoint/2010/main" xmlns="" val="2885994047"/>
+        <p14:creationId xmlns:p14="http://schemas.microsoft.com/office/powerpoint/2010/main" val="2885994047"/>
       </p:ext>
     </p:extLst>
   </p:cSld>
@@ -7811,7 +7811,7 @@
     </p:spTree>
     <p:extLst>
       <p:ext uri="{BB962C8B-B14F-4D97-AF65-F5344CB8AC3E}">
-        <p14:creationId xmlns:p14="http://schemas.microsoft.com/office/powerpoint/2010/main" xmlns="" val="1411783137"/>
+        <p14:creationId xmlns:p14="http://schemas.microsoft.com/office/powerpoint/2010/main" val="1411783137"/>
       </p:ext>
     </p:extLst>
   </p:cSld>
@@ -8119,7 +8119,7 @@
     </p:spTree>
     <p:extLst>
       <p:ext uri="{BB962C8B-B14F-4D97-AF65-F5344CB8AC3E}">
-        <p14:creationId xmlns:p14="http://schemas.microsoft.com/office/powerpoint/2010/main" xmlns="" val="3651764589"/>
+        <p14:creationId xmlns:p14="http://schemas.microsoft.com/office/powerpoint/2010/main" val="3651764589"/>
       </p:ext>
     </p:extLst>
   </p:cSld>
@@ -8223,7 +8223,7 @@
     </p:spTree>
     <p:extLst>
       <p:ext uri="{BB962C8B-B14F-4D97-AF65-F5344CB8AC3E}">
-        <p14:creationId xmlns:p14="http://schemas.microsoft.com/office/powerpoint/2010/main" xmlns="" val="2642044045"/>
+        <p14:creationId xmlns:p14="http://schemas.microsoft.com/office/powerpoint/2010/main" val="2642044045"/>
       </p:ext>
     </p:extLst>
   </p:cSld>
@@ -8316,15 +8316,7 @@
             </a:r>
             <a:r>
               <a:rPr lang="en-US" dirty="0" err="1" smtClean="0"/>
-              <a:t>E</a:t>
-            </a:r>
-            <a:r>
-              <a:rPr lang="en-US" dirty="0" err="1" smtClean="0"/>
-              <a:t>G</a:t>
-            </a:r>
-            <a:r>
-              <a:rPr lang="en-US" dirty="0" err="1" smtClean="0"/>
-              <a:t>it</a:t>
+              <a:t>EGit</a:t>
             </a:r>
             <a:r>
               <a:rPr lang="en-US" dirty="0" smtClean="0"/>
@@ -8332,11 +8324,7 @@
             </a:r>
             <a:r>
               <a:rPr lang="en-US" dirty="0" err="1" smtClean="0"/>
-              <a:t>G</a:t>
-            </a:r>
-            <a:r>
-              <a:rPr lang="en-US" dirty="0" err="1" smtClean="0"/>
-              <a:t>it</a:t>
+              <a:t>Git</a:t>
             </a:r>
             <a:r>
               <a:rPr lang="en-US" dirty="0" smtClean="0"/>
@@ -8507,20 +8495,27 @@
           <a:p>
             <a:r>
               <a:rPr lang="en-US" dirty="0" smtClean="0"/>
-              <a:t>What is our </a:t>
-            </a:r>
-            <a:r>
-              <a:rPr lang="en-US" smtClean="0"/>
-              <a:t>current status?</a:t>
-            </a:r>
-            <a:endParaRPr lang="en-US"/>
+              <a:t>The first two iterations are completed. Users are able to open a session and draw on the canvas. Other users in that session act as spectators.</a:t>
+            </a:r>
+            <a:endParaRPr lang="en-US" dirty="0" smtClean="0"/>
+          </a:p>
+          <a:p>
+            <a:r>
+              <a:rPr lang="en-US" dirty="0" smtClean="0"/>
+              <a:t>We are beginning the third iteration which involves passing of drawing control </a:t>
+            </a:r>
+            <a:r>
+              <a:rPr lang="en-US" smtClean="0"/>
+              <a:t>between users.</a:t>
+            </a:r>
+            <a:endParaRPr lang="en-US" dirty="0" smtClean="0"/>
           </a:p>
         </p:txBody>
       </p:sp>
     </p:spTree>
     <p:extLst>
       <p:ext uri="{BB962C8B-B14F-4D97-AF65-F5344CB8AC3E}">
-        <p14:creationId xmlns:p14="http://schemas.microsoft.com/office/powerpoint/2010/main" xmlns="" val="3163297618"/>
+        <p14:creationId xmlns:p14="http://schemas.microsoft.com/office/powerpoint/2010/main" val="3163297618"/>
       </p:ext>
     </p:extLst>
   </p:cSld>
